--- a/Presentation - caoqi.pptx
+++ b/Presentation - caoqi.pptx
@@ -16607,7 +16607,7 @@
             </a:pPr>
             <a:fld id="{24E87D81-4C0B-48F1-9F11-02FF5195F25B}" type="datetimeFigureOut">
               <a:rPr lang="en-US"/>
-              <a:t>11/13/2019</a:t>
+              <a:t>11/14/2019</a:t>
             </a:fld>
             <a:endParaRPr lang="en-US"/>
           </a:p>
@@ -18963,8 +18963,9 @@
               <a:p>
                 <a:r>
                   <a:rPr lang="en-SG" dirty="0" smtClean="0"/>
-                  <a:t>Not match all features, but only these that have “similar enough” matches?</a:t>
+                  <a:t>Not match all features, but only these that have “similar enough” matches</a:t>
                 </a:r>
+                <a:endParaRPr lang="en-SG" dirty="0" smtClean="0"/>
               </a:p>
               <a:p>
                 <a:pPr marL="0" indent="0">
@@ -18977,6 +18978,17 @@
                 <a:r>
                   <a:rPr lang="en-SG" dirty="0" smtClean="0"/>
                   <a:t>				</a:t>
+                </a:r>
+                <a:r>
+                  <a:rPr lang="en-SG" b="1" dirty="0">
+                    <a:solidFill>
+                      <a:schemeClr val="tx1"/>
+                    </a:solidFill>
+                    <a:latin typeface="Cambria Math" panose="02040503050406030204" pitchFamily="18" charset="0"/>
+                    <a:ea typeface="Times New Roman" panose="02020603050405020304" pitchFamily="18" charset="0"/>
+                    <a:cs typeface=""/>
+                  </a:rPr>
+                  <a:t>min</a:t>
                 </a:r>
                 <a14:m>
                   <m:oMath xmlns:m="http://schemas.openxmlformats.org/officeDocument/2006/math">
@@ -19075,7 +19087,7 @@
                           </m:e>
                           <m:sub>
                             <m:r>
-                              <a:rPr lang="en-US" b="1" i="1">
+                              <a:rPr lang="en-SG" b="1" i="1">
                                 <a:solidFill>
                                   <a:schemeClr val="tx1"/>
                                 </a:solidFill>
@@ -19083,40 +19095,7 @@
                                 <a:ea typeface="Times New Roman" panose="02020603050405020304" pitchFamily="18" charset="0"/>
                                 <a:cs typeface=""/>
                               </a:rPr>
-                              <m:t>𝒄</m:t>
-                            </m:r>
-                            <m:r>
-                              <a:rPr lang="en-US" b="1" i="1">
-                                <a:solidFill>
-                                  <a:schemeClr val="tx1"/>
-                                </a:solidFill>
-                                <a:latin typeface="Cambria Math" panose="02040503050406030204" pitchFamily="18" charset="0"/>
-                                <a:ea typeface="Times New Roman" panose="02020603050405020304" pitchFamily="18" charset="0"/>
-                                <a:cs typeface=""/>
-                              </a:rPr>
-                              <m:t>(</m:t>
-                            </m:r>
-                            <m:r>
-                              <a:rPr lang="en-US" b="1" i="1">
-                                <a:solidFill>
-                                  <a:schemeClr val="tx1"/>
-                                </a:solidFill>
-                                <a:latin typeface="Cambria Math" panose="02040503050406030204" pitchFamily="18" charset="0"/>
-                                <a:ea typeface="Times New Roman" panose="02020603050405020304" pitchFamily="18" charset="0"/>
-                                <a:cs typeface=""/>
-                              </a:rPr>
-                              <m:t>𝒊</m:t>
-                            </m:r>
-                            <m:r>
-                              <a:rPr lang="en-US" b="1" i="1">
-                                <a:solidFill>
-                                  <a:schemeClr val="tx1"/>
-                                </a:solidFill>
-                                <a:latin typeface="Cambria Math" panose="02040503050406030204" pitchFamily="18" charset="0"/>
-                                <a:ea typeface="Times New Roman" panose="02020603050405020304" pitchFamily="18" charset="0"/>
-                                <a:cs typeface=""/>
-                              </a:rPr>
-                              <m:t>)</m:t>
+                              <m:t>𝒋</m:t>
                             </m:r>
                           </m:sub>
                         </m:sSub>
@@ -19281,6 +19260,150 @@
           </a:p>
         </p:txBody>
       </p:sp>
+      <p:cxnSp>
+        <p:nvCxnSpPr>
+          <p:cNvPr id="8" name="Straight Arrow Connector 7"/>
+          <p:cNvCxnSpPr/>
+          <p:nvPr/>
+        </p:nvCxnSpPr>
+        <p:spPr>
+          <a:xfrm>
+            <a:off x="2032000" y="5024582"/>
+            <a:ext cx="5403273" cy="71483"/>
+          </a:xfrm>
+          <a:prstGeom prst="straightConnector1">
+            <a:avLst/>
+          </a:prstGeom>
+          <a:ln>
+            <a:solidFill>
+              <a:srgbClr val="FF0000"/>
+            </a:solidFill>
+            <a:tailEnd type="triangle"/>
+          </a:ln>
+        </p:spPr>
+        <p:style>
+          <a:lnRef idx="2">
+            <a:schemeClr val="accent1"/>
+          </a:lnRef>
+          <a:fillRef idx="0">
+            <a:schemeClr val="accent1"/>
+          </a:fillRef>
+          <a:effectRef idx="1">
+            <a:schemeClr val="accent1"/>
+          </a:effectRef>
+          <a:fontRef idx="minor">
+            <a:schemeClr val="tx1"/>
+          </a:fontRef>
+        </p:style>
+      </p:cxnSp>
+      <p:cxnSp>
+        <p:nvCxnSpPr>
+          <p:cNvPr id="10" name="Straight Arrow Connector 9"/>
+          <p:cNvCxnSpPr/>
+          <p:nvPr/>
+        </p:nvCxnSpPr>
+        <p:spPr>
+          <a:xfrm flipV="1">
+            <a:off x="1246909" y="3214255"/>
+            <a:ext cx="6631709" cy="55418"/>
+          </a:xfrm>
+          <a:prstGeom prst="straightConnector1">
+            <a:avLst/>
+          </a:prstGeom>
+          <a:ln>
+            <a:solidFill>
+              <a:srgbClr val="FF0000"/>
+            </a:solidFill>
+            <a:tailEnd type="triangle"/>
+          </a:ln>
+        </p:spPr>
+        <p:style>
+          <a:lnRef idx="2">
+            <a:schemeClr val="accent1"/>
+          </a:lnRef>
+          <a:fillRef idx="0">
+            <a:schemeClr val="accent1"/>
+          </a:fillRef>
+          <a:effectRef idx="1">
+            <a:schemeClr val="accent1"/>
+          </a:effectRef>
+          <a:fontRef idx="minor">
+            <a:schemeClr val="tx1"/>
+          </a:fontRef>
+        </p:style>
+      </p:cxnSp>
+      <p:cxnSp>
+        <p:nvCxnSpPr>
+          <p:cNvPr id="11" name="Straight Arrow Connector 10"/>
+          <p:cNvCxnSpPr/>
+          <p:nvPr/>
+        </p:nvCxnSpPr>
+        <p:spPr>
+          <a:xfrm flipV="1">
+            <a:off x="1638864" y="4401680"/>
+            <a:ext cx="6498372" cy="9842"/>
+          </a:xfrm>
+          <a:prstGeom prst="straightConnector1">
+            <a:avLst/>
+          </a:prstGeom>
+          <a:ln>
+            <a:solidFill>
+              <a:srgbClr val="FF0000"/>
+            </a:solidFill>
+            <a:tailEnd type="triangle"/>
+          </a:ln>
+        </p:spPr>
+        <p:style>
+          <a:lnRef idx="2">
+            <a:schemeClr val="accent1"/>
+          </a:lnRef>
+          <a:fillRef idx="0">
+            <a:schemeClr val="accent1"/>
+          </a:fillRef>
+          <a:effectRef idx="1">
+            <a:schemeClr val="accent1"/>
+          </a:effectRef>
+          <a:fontRef idx="minor">
+            <a:schemeClr val="tx1"/>
+          </a:fontRef>
+        </p:style>
+      </p:cxnSp>
+      <p:cxnSp>
+        <p:nvCxnSpPr>
+          <p:cNvPr id="12" name="Straight Arrow Connector 11"/>
+          <p:cNvCxnSpPr/>
+          <p:nvPr/>
+        </p:nvCxnSpPr>
+        <p:spPr>
+          <a:xfrm>
+            <a:off x="1570182" y="4552355"/>
+            <a:ext cx="6567054" cy="112009"/>
+          </a:xfrm>
+          <a:prstGeom prst="straightConnector1">
+            <a:avLst/>
+          </a:prstGeom>
+          <a:ln>
+            <a:solidFill>
+              <a:srgbClr val="FF0000"/>
+            </a:solidFill>
+            <a:tailEnd type="triangle"/>
+          </a:ln>
+        </p:spPr>
+        <p:style>
+          <a:lnRef idx="2">
+            <a:schemeClr val="accent1"/>
+          </a:lnRef>
+          <a:fillRef idx="0">
+            <a:schemeClr val="accent1"/>
+          </a:fillRef>
+          <a:effectRef idx="1">
+            <a:schemeClr val="accent1"/>
+          </a:effectRef>
+          <a:fontRef idx="minor">
+            <a:schemeClr val="tx1"/>
+          </a:fontRef>
+        </p:style>
+      </p:cxnSp>
     </p:spTree>
     <p:extLst>
       <p:ext uri="{BB962C8B-B14F-4D97-AF65-F5344CB8AC3E}">
@@ -19326,6 +19449,114 @@
                                         </p:cTn>
                                         <p:tgtEl>
                                           <p:spTgt spid="6"/>
+                                        </p:tgtEl>
+                                        <p:attrNameLst>
+                                          <p:attrName>style.visibility</p:attrName>
+                                        </p:attrNameLst>
+                                      </p:cBhvr>
+                                      <p:to>
+                                        <p:strVal val="visible"/>
+                                      </p:to>
+                                    </p:set>
+                                  </p:childTnLst>
+                                </p:cTn>
+                              </p:par>
+                              <p:par>
+                                <p:cTn id="7" presetID="1" presetClass="entr" presetSubtype="0" fill="hold" nodeType="withEffect">
+                                  <p:stCondLst>
+                                    <p:cond delay="0"/>
+                                  </p:stCondLst>
+                                  <p:childTnLst>
+                                    <p:set>
+                                      <p:cBhvr>
+                                        <p:cTn id="8" dur="1" fill="hold">
+                                          <p:stCondLst>
+                                            <p:cond delay="0"/>
+                                          </p:stCondLst>
+                                        </p:cTn>
+                                        <p:tgtEl>
+                                          <p:spTgt spid="8"/>
+                                        </p:tgtEl>
+                                        <p:attrNameLst>
+                                          <p:attrName>style.visibility</p:attrName>
+                                        </p:attrNameLst>
+                                      </p:cBhvr>
+                                      <p:to>
+                                        <p:strVal val="visible"/>
+                                      </p:to>
+                                    </p:set>
+                                  </p:childTnLst>
+                                </p:cTn>
+                              </p:par>
+                              <p:par>
+                                <p:cTn id="9" presetID="1" presetClass="entr" presetSubtype="0" fill="hold" nodeType="withEffect">
+                                  <p:stCondLst>
+                                    <p:cond delay="0"/>
+                                  </p:stCondLst>
+                                  <p:childTnLst>
+                                    <p:set>
+                                      <p:cBhvr>
+                                        <p:cTn id="10" dur="1" fill="hold">
+                                          <p:stCondLst>
+                                            <p:cond delay="0"/>
+                                          </p:stCondLst>
+                                        </p:cTn>
+                                        <p:tgtEl>
+                                          <p:spTgt spid="10"/>
+                                        </p:tgtEl>
+                                        <p:attrNameLst>
+                                          <p:attrName>style.visibility</p:attrName>
+                                        </p:attrNameLst>
+                                      </p:cBhvr>
+                                      <p:to>
+                                        <p:strVal val="visible"/>
+                                      </p:to>
+                                    </p:set>
+                                  </p:childTnLst>
+                                </p:cTn>
+                              </p:par>
+                              <p:par>
+                                <p:cTn id="11" presetID="1" presetClass="entr" presetSubtype="0" fill="hold" nodeType="withEffect">
+                                  <p:stCondLst>
+                                    <p:cond delay="0"/>
+                                  </p:stCondLst>
+                                  <p:childTnLst>
+                                    <p:set>
+                                      <p:cBhvr>
+                                        <p:cTn id="12" dur="1" fill="hold">
+                                          <p:stCondLst>
+                                            <p:cond delay="0"/>
+                                          </p:stCondLst>
+                                        </p:cTn>
+                                        <p:tgtEl>
+                                          <p:spTgt spid="11"/>
+                                        </p:tgtEl>
+                                        <p:attrNameLst>
+                                          <p:attrName>style.visibility</p:attrName>
+                                        </p:attrNameLst>
+                                      </p:cBhvr>
+                                      <p:to>
+                                        <p:strVal val="visible"/>
+                                      </p:to>
+                                    </p:set>
+                                  </p:childTnLst>
+                                </p:cTn>
+                              </p:par>
+                              <p:par>
+                                <p:cTn id="13" presetID="1" presetClass="entr" presetSubtype="0" fill="hold" nodeType="withEffect">
+                                  <p:stCondLst>
+                                    <p:cond delay="0"/>
+                                  </p:stCondLst>
+                                  <p:childTnLst>
+                                    <p:set>
+                                      <p:cBhvr>
+                                        <p:cTn id="14" dur="1" fill="hold">
+                                          <p:stCondLst>
+                                            <p:cond delay="0"/>
+                                          </p:stCondLst>
+                                        </p:cTn>
+                                        <p:tgtEl>
+                                          <p:spTgt spid="12"/>
                                         </p:tgtEl>
                                         <p:attrNameLst>
                                           <p:attrName>style.visibility</p:attrName>
@@ -19412,166 +19643,265 @@
           </a:p>
         </p:txBody>
       </p:sp>
-      <p:sp>
-        <p:nvSpPr>
-          <p:cNvPr id="3" name="Content Placeholder 2"/>
-          <p:cNvSpPr>
-            <a:spLocks noGrp="1"/>
-          </p:cNvSpPr>
-          <p:nvPr>
-            <p:ph idx="1"/>
-          </p:nvPr>
-        </p:nvSpPr>
-        <p:spPr/>
-        <p:txBody>
-          <a:bodyPr/>
-          <a:lstStyle/>
-          <a:p>
-            <a:r>
-              <a:rPr lang="en-US" dirty="0"/>
-              <a:t>RANSAC loop:</a:t>
-            </a:r>
-          </a:p>
-          <a:p>
-            <a:pPr marL="514350" indent="-514350">
-              <a:buFont typeface="+mj-lt"/>
-              <a:buAutoNum type="arabicPeriod"/>
-            </a:pPr>
-            <a:r>
-              <a:rPr lang="en-US" dirty="0"/>
-              <a:t>Select four feature pairs (at random)</a:t>
-            </a:r>
-          </a:p>
-          <a:p>
-            <a:pPr marL="514350" indent="-514350">
-              <a:buFont typeface="+mj-lt"/>
-              <a:buAutoNum type="arabicPeriod"/>
-            </a:pPr>
-            <a:r>
-              <a:rPr lang="en-US" dirty="0"/>
-              <a:t>Compute </a:t>
-            </a:r>
-            <a:r>
-              <a:rPr lang="en-US" dirty="0" err="1"/>
-              <a:t>homography</a:t>
-            </a:r>
-            <a:r>
-              <a:rPr lang="en-US" dirty="0"/>
-              <a:t> </a:t>
-            </a:r>
-            <a:r>
-              <a:rPr lang="en-US" b="1" i="1" dirty="0">
-                <a:latin typeface="Times New Roman" pitchFamily="18" charset="0"/>
-                <a:cs typeface="Times New Roman" pitchFamily="18" charset="0"/>
-              </a:rPr>
-              <a:t>H</a:t>
-            </a:r>
-            <a:r>
-              <a:rPr lang="en-US" dirty="0"/>
-              <a:t> (exact)</a:t>
-            </a:r>
-          </a:p>
-          <a:p>
-            <a:pPr marL="514350" indent="-514350">
-              <a:buFont typeface="+mj-lt"/>
-              <a:buAutoNum type="arabicPeriod"/>
-            </a:pPr>
-            <a:r>
-              <a:rPr lang="en-US" dirty="0"/>
-              <a:t>Compute inliers where </a:t>
-            </a:r>
-            <a:r>
-              <a:rPr lang="en-US" dirty="0">
-                <a:latin typeface="Times New Roman" pitchFamily="18" charset="0"/>
-                <a:cs typeface="Times New Roman" pitchFamily="18" charset="0"/>
-              </a:rPr>
-              <a:t>||</a:t>
-            </a:r>
-            <a:r>
-              <a:rPr lang="en-US" i="1" dirty="0">
-                <a:latin typeface="Times New Roman" pitchFamily="18" charset="0"/>
-                <a:cs typeface="Times New Roman" pitchFamily="18" charset="0"/>
-              </a:rPr>
-              <a:t>p</a:t>
-            </a:r>
-            <a:r>
-              <a:rPr lang="en-US" i="1" baseline="-25000" dirty="0">
-                <a:latin typeface="Times New Roman" pitchFamily="18" charset="0"/>
-                <a:cs typeface="Times New Roman" pitchFamily="18" charset="0"/>
-              </a:rPr>
-              <a:t>i</a:t>
-            </a:r>
-            <a:r>
-              <a:rPr lang="en-US" i="1" dirty="0">
-                <a:latin typeface="Times New Roman" pitchFamily="18" charset="0"/>
-                <a:cs typeface="Times New Roman" pitchFamily="18" charset="0"/>
-              </a:rPr>
-              <a:t>’, </a:t>
-            </a:r>
-            <a:r>
-              <a:rPr lang="en-US" b="1" i="1" dirty="0">
-                <a:latin typeface="Times New Roman" pitchFamily="18" charset="0"/>
-                <a:cs typeface="Times New Roman" pitchFamily="18" charset="0"/>
-              </a:rPr>
-              <a:t>H</a:t>
-            </a:r>
-            <a:r>
-              <a:rPr lang="en-US" i="1" dirty="0">
-                <a:latin typeface="Times New Roman" pitchFamily="18" charset="0"/>
-                <a:cs typeface="Times New Roman" pitchFamily="18" charset="0"/>
-              </a:rPr>
-              <a:t> p</a:t>
-            </a:r>
-            <a:r>
-              <a:rPr lang="en-US" i="1" baseline="-25000" dirty="0">
-                <a:latin typeface="Times New Roman" pitchFamily="18" charset="0"/>
-                <a:cs typeface="Times New Roman" pitchFamily="18" charset="0"/>
-              </a:rPr>
-              <a:t>i</a:t>
-            </a:r>
-            <a:r>
-              <a:rPr lang="en-US" dirty="0">
-                <a:latin typeface="Times New Roman" pitchFamily="18" charset="0"/>
-                <a:cs typeface="Times New Roman" pitchFamily="18" charset="0"/>
-              </a:rPr>
-              <a:t>|| &lt; </a:t>
-            </a:r>
-            <a:r>
-              <a:rPr lang="el-GR" dirty="0">
-                <a:latin typeface="Times New Roman" pitchFamily="18" charset="0"/>
-                <a:cs typeface="Times New Roman" pitchFamily="18" charset="0"/>
-              </a:rPr>
-              <a:t>ε</a:t>
-            </a:r>
-          </a:p>
-          <a:p>
-            <a:r>
-              <a:rPr lang="en-US" dirty="0"/>
-              <a:t>Keep largest set of inliers</a:t>
-            </a:r>
-          </a:p>
-          <a:p>
-            <a:r>
-              <a:rPr lang="en-US" dirty="0"/>
-              <a:t>Re-compute least-squares </a:t>
-            </a:r>
-            <a:r>
-              <a:rPr lang="en-US" b="1" i="1" dirty="0">
-                <a:latin typeface="Times New Roman" pitchFamily="18" charset="0"/>
-                <a:cs typeface="Times New Roman" pitchFamily="18" charset="0"/>
-              </a:rPr>
-              <a:t>H</a:t>
-            </a:r>
-            <a:r>
-              <a:rPr lang="en-US" dirty="0"/>
-              <a:t> estimate using all of the inliers</a:t>
-            </a:r>
-          </a:p>
-          <a:p>
-            <a:endParaRPr lang="en-SG" dirty="0"/>
-          </a:p>
-        </p:txBody>
-      </p:sp>
+      <mc:AlternateContent xmlns:mc="http://schemas.openxmlformats.org/markup-compatibility/2006">
+        <mc:Choice xmlns:a14="http://schemas.microsoft.com/office/drawing/2010/main" Requires="a14">
+          <p:sp>
+            <p:nvSpPr>
+              <p:cNvPr id="3" name="Content Placeholder 2"/>
+              <p:cNvSpPr>
+                <a:spLocks noGrp="1"/>
+              </p:cNvSpPr>
+              <p:nvPr>
+                <p:ph idx="1"/>
+              </p:nvPr>
+            </p:nvSpPr>
+            <p:spPr/>
+            <p:txBody>
+              <a:bodyPr/>
+              <a:lstStyle/>
+              <a:p>
+                <a:r>
+                  <a:rPr lang="en-US" dirty="0" smtClean="0"/>
+                  <a:t>RANSAC loop:</a:t>
+                </a:r>
+              </a:p>
+              <a:p>
+                <a:pPr marL="514350" indent="-514350">
+                  <a:buFont typeface="+mj-lt"/>
+                  <a:buAutoNum type="arabicPeriod"/>
+                </a:pPr>
+                <a:r>
+                  <a:rPr lang="en-US" dirty="0"/>
+                  <a:t>Select four feature pairs (at random)</a:t>
+                </a:r>
+              </a:p>
+              <a:p>
+                <a:pPr marL="514350" indent="-514350">
+                  <a:buFont typeface="+mj-lt"/>
+                  <a:buAutoNum type="arabicPeriod"/>
+                </a:pPr>
+                <a:r>
+                  <a:rPr lang="en-US" dirty="0"/>
+                  <a:t>Compute </a:t>
+                </a:r>
+                <a:r>
+                  <a:rPr lang="en-US" dirty="0" err="1" smtClean="0"/>
+                  <a:t>homography</a:t>
+                </a:r>
+                <a:r>
+                  <a:rPr lang="en-US" dirty="0"/>
+                  <a:t> </a:t>
+                </a:r>
+                <a:r>
+                  <a:rPr lang="en-US" dirty="0" smtClean="0"/>
+                  <a:t>transformation </a:t>
+                </a:r>
+                <a14:m>
+                  <m:oMath xmlns:m="http://schemas.openxmlformats.org/officeDocument/2006/math">
+                    <m:r>
+                      <a:rPr lang="en-US" i="1">
+                        <a:latin typeface="Cambria Math" panose="02040503050406030204" pitchFamily="18" charset="0"/>
+                      </a:rPr>
+                      <m:t>𝑓</m:t>
+                    </m:r>
+                  </m:oMath>
+                </a14:m>
+                <a:endParaRPr lang="en-SG" dirty="0" smtClean="0"/>
+              </a:p>
+              <a:p>
+                <a:pPr marL="514350" indent="-514350">
+                  <a:buFont typeface="+mj-lt"/>
+                  <a:buAutoNum type="arabicPeriod"/>
+                </a:pPr>
+                <a:r>
+                  <a:rPr lang="en-US" dirty="0" smtClean="0"/>
+                  <a:t>Compute </a:t>
+                </a:r>
+                <a:r>
+                  <a:rPr lang="en-US" dirty="0"/>
+                  <a:t>inliers where </a:t>
+                </a:r>
+                <a14:m>
+                  <m:oMath xmlns:m="http://schemas.openxmlformats.org/officeDocument/2006/math">
+                    <m:sSup>
+                      <m:sSupPr>
+                        <m:ctrlPr>
+                          <a:rPr lang="en-SG" i="1"/>
+                        </m:ctrlPr>
+                      </m:sSupPr>
+                      <m:e>
+                        <m:d>
+                          <m:dPr>
+                            <m:begChr m:val="‖"/>
+                            <m:endChr m:val="‖"/>
+                            <m:ctrlPr>
+                              <a:rPr lang="en-SG" i="1"/>
+                            </m:ctrlPr>
+                          </m:dPr>
+                          <m:e>
+                            <m:r>
+                              <a:rPr lang="en-US" i="1"/>
+                              <m:t>𝑓</m:t>
+                            </m:r>
+                            <m:r>
+                              <a:rPr lang="en-US" i="1"/>
+                              <m:t>(</m:t>
+                            </m:r>
+                            <m:r>
+                              <a:rPr lang="en-US"/>
+                              <m:t> </m:t>
+                            </m:r>
+                            <m:sSub>
+                              <m:sSubPr>
+                                <m:ctrlPr>
+                                  <a:rPr lang="en-SG" b="1" i="1"/>
+                                </m:ctrlPr>
+                              </m:sSubPr>
+                              <m:e>
+                                <m:r>
+                                  <a:rPr lang="en-US" b="1" i="1"/>
+                                  <m:t>𝒑</m:t>
+                                </m:r>
+                              </m:e>
+                              <m:sub>
+                                <m:r>
+                                  <a:rPr lang="en-US" b="1" i="1"/>
+                                  <m:t>𝒊</m:t>
+                                </m:r>
+                              </m:sub>
+                            </m:sSub>
+                            <m:r>
+                              <a:rPr lang="en-US" b="1" i="1"/>
+                              <m:t>)−</m:t>
+                            </m:r>
+                            <m:r>
+                              <a:rPr lang="en-US" i="1"/>
+                              <m:t>𝑐</m:t>
+                            </m:r>
+                            <m:r>
+                              <a:rPr lang="en-US" i="1"/>
+                              <m:t>(</m:t>
+                            </m:r>
+                            <m:r>
+                              <a:rPr lang="en-US"/>
+                              <m:t> </m:t>
+                            </m:r>
+                            <m:sSub>
+                              <m:sSubPr>
+                                <m:ctrlPr>
+                                  <a:rPr lang="en-SG" b="1" i="1"/>
+                                </m:ctrlPr>
+                              </m:sSubPr>
+                              <m:e>
+                                <m:r>
+                                  <a:rPr lang="en-US" b="1" i="1"/>
+                                  <m:t>𝒑</m:t>
+                                </m:r>
+                              </m:e>
+                              <m:sub>
+                                <m:r>
+                                  <a:rPr lang="en-US" b="1" i="1"/>
+                                  <m:t>𝒊</m:t>
+                                </m:r>
+                              </m:sub>
+                            </m:sSub>
+                            <m:r>
+                              <a:rPr lang="en-US" b="1" i="1"/>
+                              <m:t>)</m:t>
+                            </m:r>
+                          </m:e>
+                        </m:d>
+                      </m:e>
+                      <m:sup>
+                        <m:r>
+                          <a:rPr lang="en-US" i="1"/>
+                          <m:t>2</m:t>
+                        </m:r>
+                      </m:sup>
+                    </m:sSup>
+                    <m:r>
+                      <a:rPr lang="en-US" i="1"/>
+                      <m:t>&lt;</m:t>
+                    </m:r>
+                    <m:r>
+                      <a:rPr lang="en-US" i="1"/>
+                      <m:t>𝑒</m:t>
+                    </m:r>
+                  </m:oMath>
+                </a14:m>
+                <a:endParaRPr lang="en-US" dirty="0" smtClean="0"/>
+              </a:p>
+              <a:p>
+                <a:pPr marL="514350" indent="-514350">
+                  <a:buFont typeface="+mj-lt"/>
+                  <a:buAutoNum type="arabicPeriod"/>
+                </a:pPr>
+                <a:r>
+                  <a:rPr lang="en-US" dirty="0" smtClean="0"/>
+                  <a:t>Keep largest set of inliers</a:t>
+                </a:r>
+              </a:p>
+              <a:p>
+                <a:r>
+                  <a:rPr lang="en-US" dirty="0" smtClean="0"/>
+                  <a:t>Re-compute </a:t>
+                </a:r>
+                <a:r>
+                  <a:rPr lang="en-US" dirty="0"/>
+                  <a:t>least-squares </a:t>
+                </a:r>
+                <a:r>
+                  <a:rPr lang="en-US" b="1" i="1" dirty="0">
+                    <a:latin typeface="Times New Roman" pitchFamily="18" charset="0"/>
+                    <a:cs typeface="Times New Roman" pitchFamily="18" charset="0"/>
+                  </a:rPr>
+                  <a:t>H</a:t>
+                </a:r>
+                <a:r>
+                  <a:rPr lang="en-US" dirty="0"/>
+                  <a:t> estimate using all of the inliers</a:t>
+                </a:r>
+              </a:p>
+              <a:p>
+                <a:endParaRPr lang="en-SG" dirty="0"/>
+              </a:p>
+            </p:txBody>
+          </p:sp>
+        </mc:Choice>
+        <mc:Fallback>
+          <p:sp>
+            <p:nvSpPr>
+              <p:cNvPr id="3" name="Content Placeholder 2"/>
+              <p:cNvSpPr>
+                <a:spLocks noGrp="1" noRot="1" noChangeAspect="1" noMove="1" noResize="1" noEditPoints="1" noAdjustHandles="1" noChangeArrowheads="1" noChangeShapeType="1" noTextEdit="1"/>
+              </p:cNvSpPr>
+              <p:nvPr>
+                <p:ph idx="1"/>
+              </p:nvPr>
+            </p:nvSpPr>
+            <p:spPr>
+              <a:blipFill>
+                <a:blip r:embed="rId2"/>
+                <a:stretch>
+                  <a:fillRect l="-1333" t="-1515"/>
+                </a:stretch>
+              </a:blipFill>
+            </p:spPr>
+            <p:txBody>
+              <a:bodyPr/>
+              <a:lstStyle/>
+              <a:p>
+                <a:r>
+                  <a:rPr lang="en-SG">
+                    <a:noFill/>
+                  </a:rPr>
+                  <a:t> </a:t>
+                </a:r>
+              </a:p>
+            </p:txBody>
+          </p:sp>
+        </mc:Fallback>
+      </mc:AlternateContent>
       <p:sp>
         <p:nvSpPr>
           <p:cNvPr id="4" name="Text Placeholder 3"/>
@@ -19598,12 +19928,15 @@
           <p:nvPr/>
         </p:nvSpPr>
         <p:spPr bwMode="auto">
-          <a:xfrm rot="14076353">
-            <a:off x="232131" y="2883642"/>
-            <a:ext cx="1447800" cy="1066800"/>
+          <a:xfrm rot="14522498">
+            <a:off x="66039" y="2783762"/>
+            <a:ext cx="1447800" cy="1442876"/>
           </a:xfrm>
           <a:prstGeom prst="arc">
-            <a:avLst/>
+            <a:avLst>
+              <a:gd name="adj1" fmla="val 13780487"/>
+              <a:gd name="adj2" fmla="val 0"/>
+            </a:avLst>
           </a:prstGeom>
           <a:noFill/>
           <a:ln w="12700" cap="flat" cmpd="sng" algn="ctr">
@@ -25413,7 +25746,7 @@
           <a:p>
             <a:r>
               <a:rPr lang="en-SG" dirty="0" smtClean="0"/>
-              <a:t>Feature Points</a:t>
+              <a:t>Alignment Algorithm</a:t>
             </a:r>
             <a:endParaRPr lang="en-SG" dirty="0"/>
           </a:p>
@@ -25454,7 +25787,7 @@
         </p:blipFill>
         <p:spPr>
           <a:xfrm>
-            <a:off x="491160" y="2244544"/>
+            <a:off x="491160" y="2875165"/>
             <a:ext cx="7772400" cy="3019425"/>
           </a:xfrm>
           <a:prstGeom prst="rect">
@@ -25462,6 +25795,74 @@
           </a:prstGeom>
         </p:spPr>
       </p:pic>
+      <p:sp>
+        <p:nvSpPr>
+          <p:cNvPr id="6" name="Content Placeholder 2"/>
+          <p:cNvSpPr>
+            <a:spLocks noGrp="1"/>
+          </p:cNvSpPr>
+          <p:nvPr>
+            <p:ph idx="1"/>
+          </p:nvPr>
+        </p:nvSpPr>
+        <p:spPr>
+          <a:xfrm>
+            <a:off x="491160" y="976157"/>
+            <a:ext cx="8229600" cy="4023394"/>
+          </a:xfrm>
+        </p:spPr>
+        <p:txBody>
+          <a:bodyPr/>
+          <a:lstStyle/>
+          <a:p>
+            <a:r>
+              <a:rPr lang="en-SG" dirty="0" smtClean="0"/>
+              <a:t>Give images A and B with features</a:t>
+            </a:r>
+          </a:p>
+          <a:p>
+            <a:pPr marL="514350" indent="-514350">
+              <a:buFont typeface="+mj-lt"/>
+              <a:buAutoNum type="arabicPeriod"/>
+            </a:pPr>
+            <a:r>
+              <a:rPr lang="en-SG" dirty="0" smtClean="0"/>
+              <a:t>Match features between A and B</a:t>
+            </a:r>
+          </a:p>
+          <a:p>
+            <a:pPr marL="514350" indent="-514350">
+              <a:buFont typeface="+mj-lt"/>
+              <a:buAutoNum type="arabicPeriod"/>
+            </a:pPr>
+            <a:r>
+              <a:rPr lang="en-SG" dirty="0" smtClean="0"/>
+              <a:t>Compute </a:t>
+            </a:r>
+            <a:r>
+              <a:rPr lang="en-SG" dirty="0" err="1" smtClean="0"/>
+              <a:t>homography</a:t>
+            </a:r>
+            <a:r>
+              <a:rPr lang="en-SG" dirty="0" smtClean="0"/>
+              <a:t> between A and B using least squares on the set of matches</a:t>
+            </a:r>
+          </a:p>
+          <a:p>
+            <a:pPr marL="514350" indent="-514350">
+              <a:buFont typeface="+mj-lt"/>
+              <a:buAutoNum type="arabicPeriod"/>
+            </a:pPr>
+            <a:endParaRPr lang="en-SG" dirty="0" smtClean="0"/>
+          </a:p>
+          <a:p>
+            <a:pPr marL="0" indent="0">
+              <a:buNone/>
+            </a:pPr>
+            <a:endParaRPr lang="en-SG" dirty="0"/>
+          </a:p>
+        </p:txBody>
+      </p:sp>
     </p:spTree>
     <p:extLst>
       <p:ext uri="{BB962C8B-B14F-4D97-AF65-F5344CB8AC3E}">
